--- a/CalendarioAgo2022/presentaciones/9_GraficasMatplotlib.pptx
+++ b/CalendarioAgo2022/presentaciones/9_GraficasMatplotlib.pptx
@@ -1686,7 +1686,7 @@
           <a:p>
             <a:fld id="{1D8BD707-D9CF-40AE-B4C6-C98DA3205C09}" type="datetimeFigureOut">
               <a:rPr lang="en-US"/>
-              <a:t>10/5/2022</a:t>
+              <a:t>10/6/2022</a:t>
             </a:fld>
             <a:endParaRPr lang="en-US"/>
           </a:p>
@@ -2238,7 +2238,7 @@
           <a:p>
             <a:fld id="{1D8BD707-D9CF-40AE-B4C6-C98DA3205C09}" type="datetimeFigureOut">
               <a:rPr lang="en-US"/>
-              <a:t>10/5/2022</a:t>
+              <a:t>10/6/2022</a:t>
             </a:fld>
             <a:endParaRPr lang="en-US"/>
           </a:p>
@@ -2856,7 +2856,7 @@
           <a:p>
             <a:fld id="{1D8BD707-D9CF-40AE-B4C6-C98DA3205C09}" type="datetimeFigureOut">
               <a:rPr lang="en-US"/>
-              <a:t>10/5/2022</a:t>
+              <a:t>10/6/2022</a:t>
             </a:fld>
             <a:endParaRPr lang="en-US"/>
           </a:p>
@@ -3408,7 +3408,7 @@
           <a:p>
             <a:fld id="{1D8BD707-D9CF-40AE-B4C6-C98DA3205C09}" type="datetimeFigureOut">
               <a:rPr lang="en-US"/>
-              <a:t>10/5/2022</a:t>
+              <a:t>10/6/2022</a:t>
             </a:fld>
             <a:endParaRPr lang="en-US"/>
           </a:p>
@@ -3527,7 +3527,7 @@
           <a:p>
             <a:fld id="{1D8BD707-D9CF-40AE-B4C6-C98DA3205C09}" type="datetimeFigureOut">
               <a:rPr lang="en-US"/>
-              <a:t>10/5/2022</a:t>
+              <a:t>10/6/2022</a:t>
             </a:fld>
             <a:endParaRPr lang="en-US"/>
           </a:p>
@@ -3781,7 +3781,7 @@
           <a:p>
             <a:fld id="{1D8BD707-D9CF-40AE-B4C6-C98DA3205C09}" type="datetimeFigureOut">
               <a:rPr lang="en-US"/>
-              <a:t>10/5/2022</a:t>
+              <a:t>10/6/2022</a:t>
             </a:fld>
             <a:endParaRPr lang="en-US"/>
           </a:p>
@@ -10207,8 +10207,8 @@
         </p:nvSpPr>
         <p:spPr>
           <a:xfrm>
-            <a:off x="1942338" y="1524000"/>
-            <a:ext cx="9487662" cy="3016210"/>
+            <a:off x="1676400" y="1497575"/>
+            <a:ext cx="9716262" cy="3016210"/>
           </a:xfrm>
           <a:prstGeom prst="rect">
             <a:avLst/>
@@ -10471,139 +10471,139 @@
               <a:t> </a:t>
             </a:r>
             <a:r>
-              <a:rPr sz="2400" spc="-80" dirty="0">
+              <a:rPr sz="2400" b="1" spc="-80" dirty="0">
                 <a:latin typeface="Arial"/>
                 <a:cs typeface="Arial"/>
               </a:rPr>
               <a:t>E</a:t>
             </a:r>
             <a:r>
-              <a:rPr sz="2400" spc="-75" dirty="0">
+              <a:rPr sz="2400" b="1" spc="-75" dirty="0">
                 <a:latin typeface="Arial"/>
                 <a:cs typeface="Arial"/>
               </a:rPr>
               <a:t>ne</a:t>
             </a:r>
             <a:r>
-              <a:rPr sz="2400" spc="-70" dirty="0">
+              <a:rPr sz="2400" b="1" spc="-70" dirty="0">
                 <a:latin typeface="Arial"/>
                 <a:cs typeface="Arial"/>
               </a:rPr>
               <a:t>r</a:t>
             </a:r>
             <a:r>
-              <a:rPr sz="2400" dirty="0">
+              <a:rPr sz="2400" b="1" dirty="0">
                 <a:latin typeface="Arial"/>
                 <a:cs typeface="Arial"/>
               </a:rPr>
               <a:t>o</a:t>
             </a:r>
             <a:r>
-              <a:rPr sz="2400" spc="-155" dirty="0">
-                <a:latin typeface="Arial"/>
-                <a:cs typeface="Arial"/>
-              </a:rPr>
-              <a:t> </a:t>
-            </a:r>
-            <a:r>
-              <a:rPr sz="2400" dirty="0">
+              <a:rPr sz="2400" b="1" spc="-155" dirty="0">
+                <a:latin typeface="Arial"/>
+                <a:cs typeface="Arial"/>
+              </a:rPr>
+              <a:t> </a:t>
+            </a:r>
+            <a:r>
+              <a:rPr sz="2400" b="1" dirty="0">
                 <a:latin typeface="Arial"/>
                 <a:cs typeface="Arial"/>
               </a:rPr>
               <a:t>a</a:t>
             </a:r>
             <a:r>
-              <a:rPr sz="2400" spc="-360" dirty="0">
-                <a:latin typeface="Arial"/>
-                <a:cs typeface="Arial"/>
-              </a:rPr>
-              <a:t> </a:t>
-            </a:r>
-            <a:r>
-              <a:rPr lang="es-ES" sz="2400" spc="-360" dirty="0">
-                <a:latin typeface="Arial"/>
-                <a:cs typeface="Arial"/>
-              </a:rPr>
-              <a:t> </a:t>
-            </a:r>
-            <a:r>
-              <a:rPr sz="2400" dirty="0">
+              <a:rPr sz="2400" b="1" spc="-360" dirty="0">
+                <a:latin typeface="Arial"/>
+                <a:cs typeface="Arial"/>
+              </a:rPr>
+              <a:t> </a:t>
+            </a:r>
+            <a:r>
+              <a:rPr lang="es-ES" sz="2400" b="1" spc="-360" dirty="0">
+                <a:latin typeface="Arial"/>
+                <a:cs typeface="Arial"/>
+              </a:rPr>
+              <a:t> </a:t>
+            </a:r>
+            <a:r>
+              <a:rPr sz="2400" b="1" dirty="0">
                 <a:latin typeface="Arial"/>
                 <a:cs typeface="Arial"/>
               </a:rPr>
               <a:t>A</a:t>
             </a:r>
             <a:r>
-              <a:rPr sz="2400" spc="5" dirty="0">
+              <a:rPr sz="2400" b="1" spc="5" dirty="0">
                 <a:latin typeface="Arial"/>
                 <a:cs typeface="Arial"/>
               </a:rPr>
               <a:t>gos</a:t>
             </a:r>
             <a:r>
-              <a:rPr sz="2400" spc="10" dirty="0">
+              <a:rPr sz="2400" b="1" spc="10" dirty="0">
                 <a:latin typeface="Arial"/>
                 <a:cs typeface="Arial"/>
               </a:rPr>
               <a:t>t</a:t>
             </a:r>
             <a:r>
-              <a:rPr sz="2400" dirty="0">
+              <a:rPr sz="2400" b="1" dirty="0">
                 <a:latin typeface="Arial"/>
                 <a:cs typeface="Arial"/>
               </a:rPr>
               <a:t>o</a:t>
             </a:r>
             <a:r>
-              <a:rPr sz="2400" spc="30" dirty="0">
-                <a:latin typeface="Arial"/>
-                <a:cs typeface="Arial"/>
-              </a:rPr>
-              <a:t> </a:t>
-            </a:r>
-            <a:r>
-              <a:rPr sz="2400" spc="5" dirty="0">
+              <a:rPr sz="2400" b="1" spc="30" dirty="0">
+                <a:latin typeface="Arial"/>
+                <a:cs typeface="Arial"/>
+              </a:rPr>
+              <a:t> </a:t>
+            </a:r>
+            <a:r>
+              <a:rPr sz="2400" b="1" spc="5" dirty="0">
                 <a:latin typeface="Arial"/>
                 <a:cs typeface="Arial"/>
               </a:rPr>
               <a:t>de</a:t>
             </a:r>
             <a:r>
-              <a:rPr sz="2400" dirty="0">
+              <a:rPr sz="2400" b="1" dirty="0">
                 <a:latin typeface="Arial"/>
                 <a:cs typeface="Arial"/>
               </a:rPr>
               <a:t>l</a:t>
             </a:r>
             <a:r>
-              <a:rPr sz="2400" spc="190" dirty="0">
-                <a:latin typeface="Arial"/>
-                <a:cs typeface="Arial"/>
-              </a:rPr>
-              <a:t> </a:t>
-            </a:r>
-            <a:r>
-              <a:rPr sz="2400" spc="-75" dirty="0">
+              <a:rPr sz="2400" b="1" spc="190" dirty="0">
+                <a:latin typeface="Arial"/>
+                <a:cs typeface="Arial"/>
+              </a:rPr>
+              <a:t> </a:t>
+            </a:r>
+            <a:r>
+              <a:rPr sz="2400" b="1" spc="-75" dirty="0">
                 <a:latin typeface="Arial"/>
                 <a:cs typeface="Arial"/>
               </a:rPr>
               <a:t>202</a:t>
             </a:r>
             <a:r>
-              <a:rPr lang="es-ES" sz="2400" spc="-75" dirty="0">
+              <a:rPr lang="es-ES" sz="2400" b="1" spc="-75" dirty="0">
                 <a:latin typeface="Arial"/>
                 <a:cs typeface="Arial"/>
               </a:rPr>
               <a:t>2</a:t>
             </a:r>
             <a:r>
-              <a:rPr sz="2400" spc="-75" dirty="0">
+              <a:rPr sz="2400" b="1" spc="-75" dirty="0">
                 <a:latin typeface="Arial"/>
                 <a:cs typeface="Arial"/>
               </a:rPr>
               <a:t>.</a:t>
             </a:r>
-            <a:endParaRPr sz="2400" dirty="0">
+            <a:endParaRPr sz="2400" b="1" dirty="0">
               <a:latin typeface="Arial"/>
               <a:cs typeface="Arial"/>
             </a:endParaRPr>
@@ -11617,23 +11617,23 @@
           <a:lstStyle/>
           <a:p>
             <a:r>
-              <a:rPr lang="es-MX" dirty="0"/>
+              <a:rPr lang="es-MX" b="1" dirty="0"/>
               <a:t>meses = ["Enero", "Febrero", "Marzo", "Abril", "Mayo", "Junio", "Julio", "Agosto"]</a:t>
             </a:r>
           </a:p>
           <a:p>
             <a:r>
-              <a:rPr lang="es-MX" dirty="0" err="1"/>
+              <a:rPr lang="es-MX" b="1" dirty="0" err="1"/>
               <a:t>dolar</a:t>
             </a:r>
             <a:r>
-              <a:rPr lang="es-MX" dirty="0"/>
+              <a:rPr lang="es-MX" b="1" dirty="0"/>
               <a:t> = [20.46, 20.64, 20.43, 19.91, 20.37, 19.69, 20.13, 20.35]</a:t>
             </a:r>
           </a:p>
           <a:p>
             <a:r>
-              <a:rPr lang="es-MX" dirty="0"/>
+              <a:rPr lang="es-MX" b="1" dirty="0"/>
               <a:t>euro = [23.33, 23.18, 22.98, 21.99, 21.56, 21.10, 21.08, 20.83]</a:t>
             </a:r>
           </a:p>

--- a/CalendarioAgo2022/presentaciones/9_GraficasMatplotlib.pptx
+++ b/CalendarioAgo2022/presentaciones/9_GraficasMatplotlib.pptx
@@ -1686,7 +1686,7 @@
           <a:p>
             <a:fld id="{1D8BD707-D9CF-40AE-B4C6-C98DA3205C09}" type="datetimeFigureOut">
               <a:rPr lang="en-US"/>
-              <a:t>10/6/2022</a:t>
+              <a:t>10/7/2022</a:t>
             </a:fld>
             <a:endParaRPr lang="en-US"/>
           </a:p>
@@ -2238,7 +2238,7 @@
           <a:p>
             <a:fld id="{1D8BD707-D9CF-40AE-B4C6-C98DA3205C09}" type="datetimeFigureOut">
               <a:rPr lang="en-US"/>
-              <a:t>10/6/2022</a:t>
+              <a:t>10/7/2022</a:t>
             </a:fld>
             <a:endParaRPr lang="en-US"/>
           </a:p>
@@ -2856,7 +2856,7 @@
           <a:p>
             <a:fld id="{1D8BD707-D9CF-40AE-B4C6-C98DA3205C09}" type="datetimeFigureOut">
               <a:rPr lang="en-US"/>
-              <a:t>10/6/2022</a:t>
+              <a:t>10/7/2022</a:t>
             </a:fld>
             <a:endParaRPr lang="en-US"/>
           </a:p>
@@ -3408,7 +3408,7 @@
           <a:p>
             <a:fld id="{1D8BD707-D9CF-40AE-B4C6-C98DA3205C09}" type="datetimeFigureOut">
               <a:rPr lang="en-US"/>
-              <a:t>10/6/2022</a:t>
+              <a:t>10/7/2022</a:t>
             </a:fld>
             <a:endParaRPr lang="en-US"/>
           </a:p>
@@ -3527,7 +3527,7 @@
           <a:p>
             <a:fld id="{1D8BD707-D9CF-40AE-B4C6-C98DA3205C09}" type="datetimeFigureOut">
               <a:rPr lang="en-US"/>
-              <a:t>10/6/2022</a:t>
+              <a:t>10/7/2022</a:t>
             </a:fld>
             <a:endParaRPr lang="en-US"/>
           </a:p>
@@ -3781,7 +3781,7 @@
           <a:p>
             <a:fld id="{1D8BD707-D9CF-40AE-B4C6-C98DA3205C09}" type="datetimeFigureOut">
               <a:rPr lang="en-US"/>
-              <a:t>10/6/2022</a:t>
+              <a:t>10/7/2022</a:t>
             </a:fld>
             <a:endParaRPr lang="en-US"/>
           </a:p>
@@ -14583,62 +14583,45 @@
                 <a:latin typeface="Arial"/>
                 <a:cs typeface="Arial"/>
               </a:rPr>
-              <a:t>de datos y fin</a:t>
-            </a:r>
-            <a:r>
-              <a:rPr sz="2400" spc="-10" dirty="0">
-                <a:latin typeface="Arial"/>
-                <a:cs typeface="Arial"/>
-              </a:rPr>
-              <a:t>a</a:t>
+              <a:t>de </a:t>
+            </a:r>
+            <a:r>
+              <a:rPr sz="2400" dirty="0" err="1">
+                <a:latin typeface="Arial"/>
+                <a:cs typeface="Arial"/>
+              </a:rPr>
+              <a:t>datos</a:t>
             </a:r>
             <a:r>
               <a:rPr sz="2400" dirty="0">
                 <a:latin typeface="Arial"/>
                 <a:cs typeface="Arial"/>
               </a:rPr>
-              <a:t>nci</a:t>
-            </a:r>
-            <a:r>
-              <a:rPr sz="2400" spc="-10" dirty="0">
-                <a:latin typeface="Arial"/>
-                <a:cs typeface="Arial"/>
-              </a:rPr>
-              <a:t>e</a:t>
-            </a:r>
-            <a:r>
-              <a:rPr sz="2400" dirty="0">
-                <a:latin typeface="Arial"/>
-                <a:cs typeface="Arial"/>
-              </a:rPr>
-              <a:t>ros.</a:t>
-            </a:r>
-          </a:p>
-          <a:p>
-            <a:pPr marL="12700" algn="just">
-              <a:lnSpc>
-                <a:spcPct val="100000"/>
-              </a:lnSpc>
-              <a:spcBef>
-                <a:spcPts val="15"/>
-              </a:spcBef>
-            </a:pPr>
-            <a:r>
-              <a:rPr sz="2400" dirty="0">
+              <a:t>.</a:t>
+            </a:r>
+            <a:r>
+              <a:rPr lang="es-ES" sz="2400" dirty="0">
+                <a:latin typeface="Arial"/>
+                <a:cs typeface="Arial"/>
+              </a:rPr>
+              <a:t> </a:t>
+            </a:r>
+            <a:r>
+              <a:rPr sz="2400" dirty="0" err="1">
                 <a:latin typeface="Arial"/>
                 <a:cs typeface="Arial"/>
               </a:rPr>
               <a:t>P</a:t>
             </a:r>
             <a:r>
-              <a:rPr sz="2400" spc="-10" dirty="0">
+              <a:rPr sz="2400" spc="-10" dirty="0" err="1">
                 <a:latin typeface="Arial"/>
                 <a:cs typeface="Arial"/>
               </a:rPr>
               <a:t>o</a:t>
             </a:r>
             <a:r>
-              <a:rPr sz="2400" dirty="0">
+              <a:rPr sz="2400" dirty="0" err="1">
                 <a:latin typeface="Arial"/>
                 <a:cs typeface="Arial"/>
               </a:rPr>
